--- a/CollectionsAndStreams.pptx
+++ b/CollectionsAndStreams.pptx
@@ -260,7 +260,7 @@
           <a:bodyPr lIns="0" rIns="0" tIns="0" bIns="0" anchor="b"/>
           <a:p>
             <a:pPr algn="r"/>
-            <a:fld id="{65773506-9D17-450D-BE8A-2136CED230E4}" type="slidenum">
+            <a:fld id="{D7CFF282-DBC7-4956-886F-CE5DF857B9C8}" type="slidenum">
               <a:rPr b="0" lang="en-US" sz="1400" spc="-1" strike="noStrike">
                 <a:solidFill>
                   <a:srgbClr val="000000"/>
@@ -345,7 +345,7 @@
                 </a:uFill>
                 <a:latin typeface="Arial"/>
               </a:rPr>
-              <a:t>A stream is a way to iterate over a List or some other type of collection which implements the Stream interface</a:t>
+              <a:t>A stream is a way to operations over a List or some other type of collection which implements the Stream interface</a:t>
             </a:r>
             <a:endParaRPr b="0" lang="en-US" sz="2000" spc="-1" strike="noStrike">
               <a:solidFill>
@@ -385,7 +385,7 @@
                 </a:uFill>
                 <a:latin typeface="Arial"/>
               </a:rPr>
-              <a:t>Because they make processing collections of information: Faster, more concise, more readable</a:t>
+              <a:t>Because they make processing collections of information: Faster, concise, readable</a:t>
             </a:r>
             <a:endParaRPr b="0" lang="en-US" sz="2000" spc="-1" strike="noStrike">
               <a:solidFill>
@@ -425,7 +425,7 @@
                 </a:uFill>
                 <a:latin typeface="Arial"/>
               </a:rPr>
-              <a:t>The old way, of using a “for element in” loop has one major flaw… The collection could be changed out from under you! This is not possible with streams!</a:t>
+              <a:t>The old way, of using a “for element in” loop has several disadvantages… They are not necessarily lazy, it takes a lot of boilerplate, it’s not very readable.</a:t>
             </a:r>
             <a:endParaRPr b="0" lang="en-US" sz="2000" spc="-1" strike="noStrike">
               <a:solidFill>
@@ -2830,7 +2830,7 @@
           <a:bodyPr lIns="0" rIns="0" tIns="0" bIns="0"/>
           <a:p>
             <a:pPr algn="r"/>
-            <a:fld id="{E8418806-D364-488F-9C65-35A2450166EC}" type="slidenum">
+            <a:fld id="{A0F27A43-00CC-42F0-833D-A12E91978F1F}" type="slidenum">
               <a:rPr b="0" lang="en-US" sz="1400" spc="-1" strike="noStrike">
                 <a:solidFill>
                   <a:srgbClr val="000000"/>
@@ -3006,7 +3006,7 @@
               </a:rPr>
               <a:t>August 2016</a:t>
             </a:r>
-            <a:endParaRPr b="0" lang="en-US" sz="2400" spc="-1" strike="noStrike">
+            <a:endParaRPr b="0" lang="en-US" sz="3200" spc="-1" strike="noStrike">
               <a:solidFill>
                 <a:srgbClr val="000000"/>
               </a:solidFill>
@@ -3020,7 +3020,7 @@
           </a:p>
           <a:p>
             <a:pPr algn="ctr"/>
-            <a:endParaRPr b="0" lang="en-US" sz="2400" spc="-1" strike="noStrike">
+            <a:endParaRPr b="0" lang="en-US" sz="3200" spc="-1" strike="noStrike">
               <a:solidFill>
                 <a:srgbClr val="000000"/>
               </a:solidFill>
@@ -3048,7 +3048,7 @@
               </a:rPr>
               <a:t>Java 8 Collections &amp; Streams</a:t>
             </a:r>
-            <a:endParaRPr b="0" lang="en-US" sz="2400" spc="-1" strike="noStrike">
+            <a:endParaRPr b="0" lang="en-US" sz="3200" spc="-1" strike="noStrike">
               <a:solidFill>
                 <a:srgbClr val="000000"/>
               </a:solidFill>
@@ -3239,6 +3239,41 @@
                 </a:uFill>
                 <a:latin typeface="Arial"/>
               </a:rPr>
+              <a:t>Same great collections classes: List/Map/Set/etc...</a:t>
+            </a:r>
+            <a:endParaRPr b="0" lang="en-US" sz="2100" spc="-1" strike="noStrike">
+              <a:solidFill>
+                <a:srgbClr val="000000"/>
+              </a:solidFill>
+              <a:uFill>
+                <a:solidFill>
+                  <a:srgbClr val="ffffff"/>
+                </a:solidFill>
+              </a:uFill>
+              <a:latin typeface="Arial"/>
+            </a:endParaRPr>
+          </a:p>
+          <a:p>
+            <a:pPr lvl="1" marL="864000" indent="-324000">
+              <a:buClr>
+                <a:srgbClr val="000000"/>
+              </a:buClr>
+              <a:buSzPct val="75000"/>
+              <a:buFont typeface="Symbol" charset="2"/>
+              <a:buChar char=""/>
+            </a:pPr>
+            <a:r>
+              <a:rPr b="0" lang="en-US" sz="2100" spc="-1" strike="noStrike">
+                <a:solidFill>
+                  <a:srgbClr val="000000"/>
+                </a:solidFill>
+                <a:uFill>
+                  <a:solidFill>
+                    <a:srgbClr val="ffffff"/>
+                  </a:solidFill>
+                </a:uFill>
+                <a:latin typeface="Arial"/>
+              </a:rPr>
               <a:t>Enhanced with new methods</a:t>
             </a:r>
             <a:endParaRPr b="0" lang="en-US" sz="2100" spc="-1" strike="noStrike">
@@ -4662,33 +4697,6 @@
       </p:sp>
     </p:spTree>
   </p:cSld>
-  <p:timing>
-    <p:tnLst>
-      <p:par>
-        <p:cTn id="9" dur="indefinite" restart="never" nodeType="tmRoot">
-          <p:childTnLst>
-            <p:seq>
-              <p:cTn id="10" nodeType="mainSeq"/>
-              <p:prevCondLst>
-                <p:cond delay="0" evt="onPrev">
-                  <p:tgtEl>
-                    <p:sldTgt/>
-                  </p:tgtEl>
-                </p:cond>
-              </p:prevCondLst>
-              <p:nextCondLst>
-                <p:cond delay="0" evt="onNext">
-                  <p:tgtEl>
-                    <p:sldTgt/>
-                  </p:tgtEl>
-                </p:cond>
-              </p:nextCondLst>
-            </p:seq>
-          </p:childTnLst>
-        </p:cTn>
-      </p:par>
-    </p:tnLst>
-  </p:timing>
 </p:sld>
 </file>
 

--- a/CollectionsAndStreams.pptx
+++ b/CollectionsAndStreams.pptx
@@ -260,7 +260,7 @@
           <a:bodyPr lIns="0" rIns="0" tIns="0" bIns="0" anchor="b"/>
           <a:p>
             <a:pPr algn="r"/>
-            <a:fld id="{D7CFF282-DBC7-4956-886F-CE5DF857B9C8}" type="slidenum">
+            <a:fld id="{840F41ED-63A7-406E-9D65-E71DEE569991}" type="slidenum">
               <a:rPr b="0" lang="en-US" sz="1400" spc="-1" strike="noStrike">
                 <a:solidFill>
                   <a:srgbClr val="000000"/>
@@ -345,7 +345,7 @@
                 </a:uFill>
                 <a:latin typeface="Arial"/>
               </a:rPr>
-              <a:t>A stream is a way to operations over a List or some other type of collection which implements the Stream interface</a:t>
+              <a:t>A stream is a way to perform operations over a List or some other type of collection which implements the Stream interface</a:t>
             </a:r>
             <a:endParaRPr b="0" lang="en-US" sz="2000" spc="-1" strike="noStrike">
               <a:solidFill>
@@ -2830,7 +2830,7 @@
           <a:bodyPr lIns="0" rIns="0" tIns="0" bIns="0"/>
           <a:p>
             <a:pPr algn="r"/>
-            <a:fld id="{A0F27A43-00CC-42F0-833D-A12E91978F1F}" type="slidenum">
+            <a:fld id="{AE85EFE5-AB07-4495-B9A3-668A98221CB1}" type="slidenum">
               <a:rPr b="0" lang="en-US" sz="1400" spc="-1" strike="noStrike">
                 <a:solidFill>
                   <a:srgbClr val="000000"/>
@@ -4697,6 +4697,33 @@
       </p:sp>
     </p:spTree>
   </p:cSld>
+  <p:timing>
+    <p:tnLst>
+      <p:par>
+        <p:cTn id="9" dur="indefinite" restart="never" nodeType="tmRoot">
+          <p:childTnLst>
+            <p:seq>
+              <p:cTn id="10" nodeType="mainSeq"/>
+              <p:prevCondLst>
+                <p:cond delay="0" evt="onPrev">
+                  <p:tgtEl>
+                    <p:sldTgt/>
+                  </p:tgtEl>
+                </p:cond>
+              </p:prevCondLst>
+              <p:nextCondLst>
+                <p:cond delay="0" evt="onNext">
+                  <p:tgtEl>
+                    <p:sldTgt/>
+                  </p:tgtEl>
+                </p:cond>
+              </p:nextCondLst>
+            </p:seq>
+          </p:childTnLst>
+        </p:cTn>
+      </p:par>
+    </p:tnLst>
+  </p:timing>
 </p:sld>
 </file>
 
